--- a/item/可行性分析/SE2022_G09_可行性分析.pptx
+++ b/item/可行性分析/SE2022_G09_可行性分析.pptx
@@ -6608,7 +6608,7 @@
   <p:clrMapOvr>
     <a:masterClrMapping/>
   </p:clrMapOvr>
-  <p:transition>
+  <p:transition advTm="2000">
     <p:wedge/>
   </p:transition>
 </p:sld>
@@ -8120,7 +8120,7 @@
         </p:nvSpPr>
         <p:spPr>
           <a:xfrm>
-            <a:off x="1906270" y="4227830"/>
+            <a:off x="894715" y="4227830"/>
             <a:ext cx="8378825" cy="1938020"/>
           </a:xfrm>
           <a:prstGeom prst="rect">
@@ -12521,7 +12521,7 @@
         </p:blipFill>
         <p:spPr>
           <a:xfrm>
-            <a:off x="2023110" y="443865"/>
+            <a:off x="2719070" y="462915"/>
             <a:ext cx="7550150" cy="6104890"/>
           </a:xfrm>
           <a:prstGeom prst="rect">
@@ -12567,34 +12567,6 @@
           <a:chExt cx="0" cy="0"/>
         </a:xfrm>
       </p:grpSpPr>
-      <p:pic>
-        <p:nvPicPr>
-          <p:cNvPr id="4" name="图片 3"/>
-          <p:cNvPicPr>
-            <a:picLocks noChangeAspect="1"/>
-          </p:cNvPicPr>
-          <p:nvPr>
-            <p:custDataLst>
-              <p:tags r:id="rId1"/>
-            </p:custDataLst>
-          </p:nvPr>
-        </p:nvPicPr>
-        <p:blipFill>
-          <a:blip r:embed="rId2"/>
-          <a:stretch>
-            <a:fillRect/>
-          </a:stretch>
-        </p:blipFill>
-        <p:spPr>
-          <a:xfrm>
-            <a:off x="1466850" y="609600"/>
-            <a:ext cx="9415145" cy="5822950"/>
-          </a:xfrm>
-          <a:prstGeom prst="rect">
-            <a:avLst/>
-          </a:prstGeom>
-        </p:spPr>
-      </p:pic>
       <p:sp>
         <p:nvSpPr>
           <p:cNvPr id="2" name="矩形 1"/>
@@ -12669,9 +12641,33 @@
           </a:p>
         </p:txBody>
       </p:sp>
+      <p:pic>
+        <p:nvPicPr>
+          <p:cNvPr id="3" name="图片 2" descr="dataG09"/>
+          <p:cNvPicPr>
+            <a:picLocks noChangeAspect="1"/>
+          </p:cNvPicPr>
+          <p:nvPr/>
+        </p:nvPicPr>
+        <p:blipFill>
+          <a:blip r:embed="rId1"/>
+          <a:stretch>
+            <a:fillRect/>
+          </a:stretch>
+        </p:blipFill>
+        <p:spPr>
+          <a:xfrm>
+            <a:off x="1858645" y="427990"/>
+            <a:ext cx="10333355" cy="5782945"/>
+          </a:xfrm>
+          <a:prstGeom prst="rect">
+            <a:avLst/>
+          </a:prstGeom>
+        </p:spPr>
+      </p:pic>
     </p:spTree>
     <p:custDataLst>
-      <p:tags r:id="rId3"/>
+      <p:tags r:id="rId2"/>
     </p:custDataLst>
   </p:cSld>
   <p:clrMapOvr>
@@ -13757,33 +13753,33 @@
 
 <file path=ppt/tags/tag11.xml><?xml version="1.0" encoding="utf-8"?>
 <p:tagLst xmlns:p="http://schemas.openxmlformats.org/presentationml/2006/main">
-  <p:tag name="KSO_WM_BEAUTIFY_FLAG" val="#wm#"/>
-  <p:tag name="KSO_WM_TEMPLATE_CATEGORY" val="custom"/>
-  <p:tag name="KSO_WM_TEMPLATE_INDEX" val="20205081"/>
+  <p:tag name="KSO_WM_UNIT_PLACING_PICTURE_USER_VIEWPORT" val="{&quot;height&quot;:8156,&quot;width&quot;:3982}"/>
 </p:tagLst>
 </file>
 
 <file path=ppt/tags/tag12.xml><?xml version="1.0" encoding="utf-8"?>
 <p:tagLst xmlns:p="http://schemas.openxmlformats.org/presentationml/2006/main">
-  <p:tag name="KSO_WM_UNIT_PLACING_PICTURE_USER_VIEWPORT" val="{&quot;height&quot;:8156,&quot;width&quot;:3982}"/>
+  <p:tag name="KSO_WM_UNIT_PLACING_PICTURE_USER_VIEWPORT" val="{&quot;height&quot;:8308,&quot;width&quot;:4078}"/>
 </p:tagLst>
 </file>
 
 <file path=ppt/tags/tag13.xml><?xml version="1.0" encoding="utf-8"?>
 <p:tagLst xmlns:p="http://schemas.openxmlformats.org/presentationml/2006/main">
-  <p:tag name="KSO_WM_UNIT_PLACING_PICTURE_USER_VIEWPORT" val="{&quot;height&quot;:8308,&quot;width&quot;:4078}"/>
+  <p:tag name="KSO_WM_UNIT_PLACING_PICTURE_USER_VIEWPORT" val="{&quot;height&quot;:7301,&quot;width&quot;:3616}"/>
 </p:tagLst>
 </file>
 
 <file path=ppt/tags/tag14.xml><?xml version="1.0" encoding="utf-8"?>
 <p:tagLst xmlns:p="http://schemas.openxmlformats.org/presentationml/2006/main">
-  <p:tag name="KSO_WM_UNIT_PLACING_PICTURE_USER_VIEWPORT" val="{&quot;height&quot;:7301,&quot;width&quot;:3616}"/>
+  <p:tag name="KSO_WM_UNIT_PLACING_PICTURE_USER_VIEWPORT" val="{&quot;height&quot;:9000,&quot;width&quot;:4020}"/>
 </p:tagLst>
 </file>
 
 <file path=ppt/tags/tag15.xml><?xml version="1.0" encoding="utf-8"?>
 <p:tagLst xmlns:p="http://schemas.openxmlformats.org/presentationml/2006/main">
-  <p:tag name="KSO_WM_UNIT_PLACING_PICTURE_USER_VIEWPORT" val="{&quot;height&quot;:9000,&quot;width&quot;:4020}"/>
+  <p:tag name="KSO_WM_BEAUTIFY_FLAG" val="#wm#"/>
+  <p:tag name="KSO_WM_TEMPLATE_CATEGORY" val="custom"/>
+  <p:tag name="KSO_WM_TEMPLATE_INDEX" val="20205081"/>
 </p:tagLst>
 </file>
 
@@ -13797,17 +13793,17 @@
 
 <file path=ppt/tags/tag17.xml><?xml version="1.0" encoding="utf-8"?>
 <p:tagLst xmlns:p="http://schemas.openxmlformats.org/presentationml/2006/main">
-  <p:tag name="KSO_WM_BEAUTIFY_FLAG" val="#wm#"/>
-  <p:tag name="KSO_WM_TEMPLATE_CATEGORY" val="custom"/>
-  <p:tag name="KSO_WM_TEMPLATE_INDEX" val="20205081"/>
+  <p:tag name="KSO_WM_UNIT_TABLE_BEAUTIFY" val="smartTable{d3c2de75-c1e6-4e21-8ffc-3f25c763fbd4}"/>
+  <p:tag name="TABLE_ENDDRAG_ORIGIN_RECT" val="671*230"/>
+  <p:tag name="TABLE_ENDDRAG_RECT" val="144*251*671*230"/>
 </p:tagLst>
 </file>
 
 <file path=ppt/tags/tag18.xml><?xml version="1.0" encoding="utf-8"?>
 <p:tagLst xmlns:p="http://schemas.openxmlformats.org/presentationml/2006/main">
-  <p:tag name="KSO_WM_UNIT_TABLE_BEAUTIFY" val="smartTable{d3c2de75-c1e6-4e21-8ffc-3f25c763fbd4}"/>
-  <p:tag name="TABLE_ENDDRAG_ORIGIN_RECT" val="671*230"/>
-  <p:tag name="TABLE_ENDDRAG_RECT" val="144*251*671*230"/>
+  <p:tag name="KSO_WM_BEAUTIFY_FLAG" val="#wm#"/>
+  <p:tag name="KSO_WM_TEMPLATE_CATEGORY" val="custom"/>
+  <p:tag name="KSO_WM_TEMPLATE_INDEX" val="20205081"/>
 </p:tagLst>
 </file>
 
@@ -13874,15 +13870,7 @@
 
 <file path=ppt/tags/tag24.xml><?xml version="1.0" encoding="utf-8"?>
 <p:tagLst xmlns:p="http://schemas.openxmlformats.org/presentationml/2006/main">
-  <p:tag name="KSO_WM_BEAUTIFY_FLAG" val="#wm#"/>
-  <p:tag name="KSO_WM_TEMPLATE_CATEGORY" val="custom"/>
-  <p:tag name="KSO_WM_TEMPLATE_INDEX" val="20205081"/>
-</p:tagLst>
-</file>
-
-<file path=ppt/tags/tag25.xml><?xml version="1.0" encoding="utf-8"?>
-<p:tagLst xmlns:p="http://schemas.openxmlformats.org/presentationml/2006/main">
-  <p:tag name="COMMONDATA" val="eyJoZGlkIjoiYzQ0OTllZjEzNmE0ZDU0YzJmOGQ2NzlkMDJhNDQ5NmYifQ=="/>
+  <p:tag name="COMMONDATA" val="eyJoZGlkIjoiOTFhZTQ2MDE0Nzk2MDZmYTEwZjA5Y2Y5NjJlMDczNjEifQ=="/>
   <p:tag name="KSO_WPP_MARK_KEY" val="133996ca-5edf-4d94-afd3-6eb9f32d4f58"/>
 </p:tagLst>
 </file>
@@ -13935,7 +13923,9 @@
 
 <file path=ppt/tags/tag9.xml><?xml version="1.0" encoding="utf-8"?>
 <p:tagLst xmlns:p="http://schemas.openxmlformats.org/presentationml/2006/main">
-  <p:tag name="KSO_WM_UNIT_PLACING_PICTURE_USER_VIEWPORT" val="{&quot;height&quot;:8265,&quot;width&quot;:13365}"/>
+  <p:tag name="KSO_WM_BEAUTIFY_FLAG" val="#wm#"/>
+  <p:tag name="KSO_WM_TEMPLATE_CATEGORY" val="custom"/>
+  <p:tag name="KSO_WM_TEMPLATE_INDEX" val="20205081"/>
 </p:tagLst>
 </file>
 
